--- a/ppt/03-11.pptx
+++ b/ppt/03-11.pptx
@@ -14,6 +14,7 @@
     <p:sldId id="265" r:id="rId8"/>
     <p:sldId id="266" r:id="rId9"/>
     <p:sldId id="264" r:id="rId10"/>
+    <p:sldId id="267" r:id="rId11"/>
   </p:sldIdLst>
   <p:sldSz cx="12192000" cy="6858000"/>
   <p:notesSz cx="6858000" cy="9144000"/>
@@ -112,6 +113,11 @@
       </a:defRPr>
     </a:lvl9pPr>
   </p:defaultTextStyle>
+  <p:extLst>
+    <p:ext uri="{EFAFB233-063F-42B5-8137-9DF3F51BA10A}">
+      <p15:sldGuideLst xmlns:p15="http://schemas.microsoft.com/office/powerpoint/2012/main"/>
+    </p:ext>
+  </p:extLst>
 </p:presentation>
 </file>
 
@@ -286,7 +292,7 @@
           <a:p>
             <a:fld id="{515E4E3A-4B7C-4CE2-9C87-5C1D7C800CCF}" type="datetimeFigureOut">
               <a:rPr lang="ko-KR" altLang="en-US" smtClean="0"/>
-              <a:t>2024-03-09</a:t>
+              <a:t>2024-03-10</a:t>
             </a:fld>
             <a:endParaRPr lang="ko-KR" altLang="en-US"/>
           </a:p>
@@ -598,7 +604,7 @@
           <a:p>
             <a:fld id="{515E4E3A-4B7C-4CE2-9C87-5C1D7C800CCF}" type="datetimeFigureOut">
               <a:rPr lang="ko-KR" altLang="en-US" smtClean="0"/>
-              <a:t>2024-03-09</a:t>
+              <a:t>2024-03-10</a:t>
             </a:fld>
             <a:endParaRPr lang="ko-KR" altLang="en-US"/>
           </a:p>
@@ -820,7 +826,7 @@
           <a:p>
             <a:fld id="{515E4E3A-4B7C-4CE2-9C87-5C1D7C800CCF}" type="datetimeFigureOut">
               <a:rPr lang="ko-KR" altLang="en-US" smtClean="0"/>
-              <a:t>2024-03-09</a:t>
+              <a:t>2024-03-10</a:t>
             </a:fld>
             <a:endParaRPr lang="ko-KR" altLang="en-US"/>
           </a:p>
@@ -1111,7 +1117,7 @@
           <a:p>
             <a:fld id="{515E4E3A-4B7C-4CE2-9C87-5C1D7C800CCF}" type="datetimeFigureOut">
               <a:rPr lang="ko-KR" altLang="en-US" smtClean="0"/>
-              <a:t>2024-03-09</a:t>
+              <a:t>2024-03-10</a:t>
             </a:fld>
             <a:endParaRPr lang="ko-KR" altLang="en-US"/>
           </a:p>
@@ -1565,7 +1571,7 @@
           <a:p>
             <a:fld id="{515E4E3A-4B7C-4CE2-9C87-5C1D7C800CCF}" type="datetimeFigureOut">
               <a:rPr lang="ko-KR" altLang="en-US" smtClean="0"/>
-              <a:t>2024-03-09</a:t>
+              <a:t>2024-03-10</a:t>
             </a:fld>
             <a:endParaRPr lang="ko-KR" altLang="en-US"/>
           </a:p>
@@ -2141,7 +2147,7 @@
           <a:p>
             <a:fld id="{515E4E3A-4B7C-4CE2-9C87-5C1D7C800CCF}" type="datetimeFigureOut">
               <a:rPr lang="ko-KR" altLang="en-US" smtClean="0"/>
-              <a:t>2024-03-09</a:t>
+              <a:t>2024-03-10</a:t>
             </a:fld>
             <a:endParaRPr lang="ko-KR" altLang="en-US"/>
           </a:p>
@@ -2993,7 +2999,7 @@
           <a:p>
             <a:fld id="{515E4E3A-4B7C-4CE2-9C87-5C1D7C800CCF}" type="datetimeFigureOut">
               <a:rPr lang="ko-KR" altLang="en-US" smtClean="0"/>
-              <a:t>2024-03-09</a:t>
+              <a:t>2024-03-10</a:t>
             </a:fld>
             <a:endParaRPr lang="ko-KR" altLang="en-US"/>
           </a:p>
@@ -3198,7 +3204,7 @@
           <a:p>
             <a:fld id="{515E4E3A-4B7C-4CE2-9C87-5C1D7C800CCF}" type="datetimeFigureOut">
               <a:rPr lang="ko-KR" altLang="en-US" smtClean="0"/>
-              <a:t>2024-03-09</a:t>
+              <a:t>2024-03-10</a:t>
             </a:fld>
             <a:endParaRPr lang="ko-KR" altLang="en-US"/>
           </a:p>
@@ -3412,7 +3418,7 @@
           <a:p>
             <a:fld id="{515E4E3A-4B7C-4CE2-9C87-5C1D7C800CCF}" type="datetimeFigureOut">
               <a:rPr lang="ko-KR" altLang="en-US" smtClean="0"/>
-              <a:t>2024-03-09</a:t>
+              <a:t>2024-03-10</a:t>
             </a:fld>
             <a:endParaRPr lang="ko-KR" altLang="en-US"/>
           </a:p>
@@ -3598,7 +3604,7 @@
           <a:p>
             <a:fld id="{515E4E3A-4B7C-4CE2-9C87-5C1D7C800CCF}" type="datetimeFigureOut">
               <a:rPr lang="ko-KR" altLang="en-US" smtClean="0"/>
-              <a:t>2024-03-09</a:t>
+              <a:t>2024-03-10</a:t>
             </a:fld>
             <a:endParaRPr lang="ko-KR" altLang="en-US"/>
           </a:p>
@@ -3815,7 +3821,7 @@
           <a:p>
             <a:fld id="{515E4E3A-4B7C-4CE2-9C87-5C1D7C800CCF}" type="datetimeFigureOut">
               <a:rPr lang="ko-KR" altLang="en-US" smtClean="0"/>
-              <a:t>2024-03-09</a:t>
+              <a:t>2024-03-10</a:t>
             </a:fld>
             <a:endParaRPr lang="ko-KR" altLang="en-US"/>
           </a:p>
@@ -4095,7 +4101,7 @@
           <a:p>
             <a:fld id="{515E4E3A-4B7C-4CE2-9C87-5C1D7C800CCF}" type="datetimeFigureOut">
               <a:rPr lang="ko-KR" altLang="en-US" smtClean="0"/>
-              <a:t>2024-03-09</a:t>
+              <a:t>2024-03-10</a:t>
             </a:fld>
             <a:endParaRPr lang="ko-KR" altLang="en-US"/>
           </a:p>
@@ -4362,7 +4368,7 @@
           <a:p>
             <a:fld id="{515E4E3A-4B7C-4CE2-9C87-5C1D7C800CCF}" type="datetimeFigureOut">
               <a:rPr lang="ko-KR" altLang="en-US" smtClean="0"/>
-              <a:t>2024-03-09</a:t>
+              <a:t>2024-03-10</a:t>
             </a:fld>
             <a:endParaRPr lang="ko-KR" altLang="en-US"/>
           </a:p>
@@ -4777,7 +4783,7 @@
           <a:p>
             <a:fld id="{515E4E3A-4B7C-4CE2-9C87-5C1D7C800CCF}" type="datetimeFigureOut">
               <a:rPr lang="ko-KR" altLang="en-US" smtClean="0"/>
-              <a:t>2024-03-09</a:t>
+              <a:t>2024-03-10</a:t>
             </a:fld>
             <a:endParaRPr lang="ko-KR" altLang="en-US"/>
           </a:p>
@@ -4925,7 +4931,7 @@
           <a:p>
             <a:fld id="{515E4E3A-4B7C-4CE2-9C87-5C1D7C800CCF}" type="datetimeFigureOut">
               <a:rPr lang="ko-KR" altLang="en-US" smtClean="0"/>
-              <a:t>2024-03-09</a:t>
+              <a:t>2024-03-10</a:t>
             </a:fld>
             <a:endParaRPr lang="ko-KR" altLang="en-US"/>
           </a:p>
@@ -5050,7 +5056,7 @@
           <a:p>
             <a:fld id="{515E4E3A-4B7C-4CE2-9C87-5C1D7C800CCF}" type="datetimeFigureOut">
               <a:rPr lang="ko-KR" altLang="en-US" smtClean="0"/>
-              <a:t>2024-03-09</a:t>
+              <a:t>2024-03-10</a:t>
             </a:fld>
             <a:endParaRPr lang="ko-KR" altLang="en-US"/>
           </a:p>
@@ -5329,7 +5335,7 @@
           <a:p>
             <a:fld id="{515E4E3A-4B7C-4CE2-9C87-5C1D7C800CCF}" type="datetimeFigureOut">
               <a:rPr lang="ko-KR" altLang="en-US" smtClean="0"/>
-              <a:t>2024-03-09</a:t>
+              <a:t>2024-03-10</a:t>
             </a:fld>
             <a:endParaRPr lang="ko-KR" altLang="en-US"/>
           </a:p>
@@ -5641,7 +5647,7 @@
           <a:p>
             <a:fld id="{515E4E3A-4B7C-4CE2-9C87-5C1D7C800CCF}" type="datetimeFigureOut">
               <a:rPr lang="ko-KR" altLang="en-US" smtClean="0"/>
-              <a:t>2024-03-09</a:t>
+              <a:t>2024-03-10</a:t>
             </a:fld>
             <a:endParaRPr lang="ko-KR" altLang="en-US"/>
           </a:p>
@@ -5894,7 +5900,7 @@
           <a:p>
             <a:fld id="{515E4E3A-4B7C-4CE2-9C87-5C1D7C800CCF}" type="datetimeFigureOut">
               <a:rPr lang="ko-KR" altLang="en-US" smtClean="0"/>
-              <a:t>2024-03-09</a:t>
+              <a:t>2024-03-10</a:t>
             </a:fld>
             <a:endParaRPr lang="ko-KR" altLang="en-US"/>
           </a:p>
@@ -6433,6 +6439,462 @@
 </p:sld>
 </file>
 
+<file path=ppt/slides/slide10.xml><?xml version="1.0" encoding="utf-8"?>
+<p:sld xmlns:a="http://schemas.openxmlformats.org/drawingml/2006/main" xmlns:r="http://schemas.openxmlformats.org/officeDocument/2006/relationships" xmlns:p="http://schemas.openxmlformats.org/presentationml/2006/main">
+  <p:cSld>
+    <p:spTree>
+      <p:nvGrpSpPr>
+        <p:cNvPr id="1" name=""/>
+        <p:cNvGrpSpPr/>
+        <p:nvPr/>
+      </p:nvGrpSpPr>
+      <p:grpSpPr>
+        <a:xfrm>
+          <a:off x="0" y="0"/>
+          <a:ext cx="0" cy="0"/>
+          <a:chOff x="0" y="0"/>
+          <a:chExt cx="0" cy="0"/>
+        </a:xfrm>
+      </p:grpSpPr>
+      <p:sp>
+        <p:nvSpPr>
+          <p:cNvPr id="2" name="제목 1">
+            <a:extLst>
+              <a:ext uri="{FF2B5EF4-FFF2-40B4-BE49-F238E27FC236}">
+                <a16:creationId xmlns:a16="http://schemas.microsoft.com/office/drawing/2014/main" id="{1A08B46B-45B4-D8D5-49CC-79073DF4E3BE}"/>
+              </a:ext>
+            </a:extLst>
+          </p:cNvPr>
+          <p:cNvSpPr>
+            <a:spLocks noGrp="1"/>
+          </p:cNvSpPr>
+          <p:nvPr>
+            <p:ph type="title"/>
+          </p:nvPr>
+        </p:nvSpPr>
+        <p:spPr/>
+        <p:txBody>
+          <a:bodyPr/>
+          <a:lstStyle/>
+          <a:p>
+            <a:r>
+              <a:rPr lang="en-US" altLang="ko-KR" dirty="0"/>
+              <a:t>3</a:t>
+            </a:r>
+            <a:r>
+              <a:rPr lang="ko-KR" altLang="en-US" dirty="0"/>
+              <a:t>월 중 계획</a:t>
+            </a:r>
+          </a:p>
+        </p:txBody>
+      </p:sp>
+      <p:sp>
+        <p:nvSpPr>
+          <p:cNvPr id="3" name="내용 개체 틀 2">
+            <a:extLst>
+              <a:ext uri="{FF2B5EF4-FFF2-40B4-BE49-F238E27FC236}">
+                <a16:creationId xmlns:a16="http://schemas.microsoft.com/office/drawing/2014/main" id="{A699FBE0-DEBC-065C-ACCE-0080534EBE93}"/>
+              </a:ext>
+            </a:extLst>
+          </p:cNvPr>
+          <p:cNvSpPr>
+            <a:spLocks noGrp="1"/>
+          </p:cNvSpPr>
+          <p:nvPr>
+            <p:ph idx="1"/>
+          </p:nvPr>
+        </p:nvSpPr>
+        <p:spPr/>
+        <p:txBody>
+          <a:bodyPr/>
+          <a:lstStyle/>
+          <a:p>
+            <a:pPr marL="0" indent="0">
+              <a:buNone/>
+            </a:pPr>
+            <a:r>
+              <a:rPr lang="en-US" altLang="ko-KR" dirty="0"/>
+              <a:t>Ui </a:t>
+            </a:r>
+            <a:r>
+              <a:rPr lang="ko-KR" altLang="en-US" dirty="0"/>
+              <a:t>완성 후</a:t>
+            </a:r>
+            <a:endParaRPr lang="en-US" altLang="ko-KR" dirty="0"/>
+          </a:p>
+          <a:p>
+            <a:r>
+              <a:rPr lang="ko-KR" altLang="en-US" dirty="0"/>
+              <a:t>시작 화면</a:t>
+            </a:r>
+            <a:r>
+              <a:rPr lang="en-US" altLang="ko-KR" dirty="0"/>
+              <a:t>(</a:t>
+            </a:r>
+            <a:r>
+              <a:rPr lang="ko-KR" altLang="en-US" b="0" i="0" u="none" strike="noStrike" dirty="0">
+                <a:solidFill>
+                  <a:srgbClr val="000000"/>
+                </a:solidFill>
+                <a:effectLst/>
+                <a:latin typeface="맑은 고딕" panose="020B0503020000020004" pitchFamily="50" charset="-127"/>
+                <a:ea typeface="맑은 고딕" panose="020B0503020000020004" pitchFamily="50" charset="-127"/>
+              </a:rPr>
+              <a:t>독서 시작 버튼을 누르면 메인 화면으로 넘어가는 기능</a:t>
+            </a:r>
+            <a:r>
+              <a:rPr lang="en-US" altLang="ko-KR" b="0" i="0" u="none" strike="noStrike" dirty="0">
+                <a:solidFill>
+                  <a:srgbClr val="000000"/>
+                </a:solidFill>
+                <a:effectLst/>
+                <a:latin typeface="맑은 고딕" panose="020B0503020000020004" pitchFamily="50" charset="-127"/>
+                <a:ea typeface="맑은 고딕" panose="020B0503020000020004" pitchFamily="50" charset="-127"/>
+              </a:rPr>
+              <a:t>)</a:t>
+            </a:r>
+          </a:p>
+          <a:p>
+            <a:r>
+              <a:rPr lang="ko-KR" altLang="en-US" dirty="0"/>
+              <a:t>메인 화면</a:t>
+            </a:r>
+            <a:r>
+              <a:rPr lang="en-US" altLang="ko-KR" dirty="0"/>
+              <a:t>(</a:t>
+            </a:r>
+            <a:r>
+              <a:rPr lang="ko-KR" altLang="en-US" b="0" i="0" u="none" strike="noStrike" dirty="0">
+                <a:solidFill>
+                  <a:srgbClr val="000000"/>
+                </a:solidFill>
+                <a:effectLst/>
+                <a:latin typeface="맑은 고딕" panose="020B0503020000020004" pitchFamily="50" charset="-127"/>
+                <a:ea typeface="맑은 고딕" panose="020B0503020000020004" pitchFamily="50" charset="-127"/>
+              </a:rPr>
+              <a:t>도서 스캔 버튼</a:t>
+            </a:r>
+            <a:r>
+              <a:rPr lang="en-US" altLang="ko-KR" b="0" i="0" u="none" strike="noStrike" dirty="0">
+                <a:solidFill>
+                  <a:srgbClr val="000000"/>
+                </a:solidFill>
+                <a:effectLst/>
+                <a:latin typeface="맑은 고딕" panose="020B0503020000020004" pitchFamily="50" charset="-127"/>
+                <a:ea typeface="맑은 고딕" panose="020B0503020000020004" pitchFamily="50" charset="-127"/>
+              </a:rPr>
+              <a:t>, </a:t>
+            </a:r>
+            <a:r>
+              <a:rPr lang="ko-KR" altLang="en-US" b="0" i="0" u="none" strike="noStrike" dirty="0">
+                <a:solidFill>
+                  <a:srgbClr val="000000"/>
+                </a:solidFill>
+                <a:effectLst/>
+                <a:latin typeface="맑은 고딕" panose="020B0503020000020004" pitchFamily="50" charset="-127"/>
+                <a:ea typeface="맑은 고딕" panose="020B0503020000020004" pitchFamily="50" charset="-127"/>
+              </a:rPr>
+              <a:t>읽은 책 리스트</a:t>
+            </a:r>
+            <a:r>
+              <a:rPr lang="en-US" altLang="ko-KR" b="0" i="0" u="none" strike="noStrike" dirty="0">
+                <a:solidFill>
+                  <a:srgbClr val="000000"/>
+                </a:solidFill>
+                <a:effectLst/>
+                <a:latin typeface="맑은 고딕" panose="020B0503020000020004" pitchFamily="50" charset="-127"/>
+                <a:ea typeface="맑은 고딕" panose="020B0503020000020004" pitchFamily="50" charset="-127"/>
+              </a:rPr>
+              <a:t>, </a:t>
+            </a:r>
+            <a:r>
+              <a:rPr lang="ko-KR" altLang="en-US" b="0" i="0" u="none" strike="noStrike" dirty="0">
+                <a:solidFill>
+                  <a:srgbClr val="000000"/>
+                </a:solidFill>
+                <a:effectLst/>
+                <a:latin typeface="맑은 고딕" panose="020B0503020000020004" pitchFamily="50" charset="-127"/>
+                <a:ea typeface="맑은 고딕" panose="020B0503020000020004" pitchFamily="50" charset="-127"/>
+              </a:rPr>
+              <a:t>갤러리</a:t>
+            </a:r>
+            <a:r>
+              <a:rPr lang="en-US" altLang="ko-KR" b="0" i="0" u="none" strike="noStrike" dirty="0">
+                <a:solidFill>
+                  <a:srgbClr val="000000"/>
+                </a:solidFill>
+                <a:effectLst/>
+                <a:latin typeface="맑은 고딕" panose="020B0503020000020004" pitchFamily="50" charset="-127"/>
+                <a:ea typeface="맑은 고딕" panose="020B0503020000020004" pitchFamily="50" charset="-127"/>
+              </a:rPr>
+              <a:t>, </a:t>
+            </a:r>
+            <a:r>
+              <a:rPr lang="ko-KR" altLang="en-US" b="0" i="0" u="none" strike="noStrike" dirty="0">
+                <a:solidFill>
+                  <a:srgbClr val="000000"/>
+                </a:solidFill>
+                <a:effectLst/>
+                <a:latin typeface="맑은 고딕" panose="020B0503020000020004" pitchFamily="50" charset="-127"/>
+                <a:ea typeface="맑은 고딕" panose="020B0503020000020004" pitchFamily="50" charset="-127"/>
+              </a:rPr>
+              <a:t>캐릭터 정보 버튼 출력</a:t>
+            </a:r>
+            <a:r>
+              <a:rPr lang="en-US" altLang="ko-KR" b="0" i="0" u="none" strike="noStrike" dirty="0">
+                <a:solidFill>
+                  <a:srgbClr val="000000"/>
+                </a:solidFill>
+                <a:effectLst/>
+                <a:latin typeface="맑은 고딕" panose="020B0503020000020004" pitchFamily="50" charset="-127"/>
+                <a:ea typeface="맑은 고딕" panose="020B0503020000020004" pitchFamily="50" charset="-127"/>
+              </a:rPr>
+              <a:t>, </a:t>
+            </a:r>
+            <a:r>
+              <a:rPr lang="ko-KR" altLang="en-US" b="0" i="0" u="none" strike="noStrike" dirty="0">
+                <a:solidFill>
+                  <a:srgbClr val="000000"/>
+                </a:solidFill>
+                <a:effectLst/>
+                <a:latin typeface="맑은 고딕" panose="020B0503020000020004" pitchFamily="50" charset="-127"/>
+                <a:ea typeface="맑은 고딕" panose="020B0503020000020004" pitchFamily="50" charset="-127"/>
+              </a:rPr>
+              <a:t>마스코트 출력</a:t>
+            </a:r>
+            <a:r>
+              <a:rPr lang="en-US" altLang="ko-KR" b="0" i="0" u="none" strike="noStrike" dirty="0">
+                <a:solidFill>
+                  <a:srgbClr val="000000"/>
+                </a:solidFill>
+                <a:effectLst/>
+                <a:latin typeface="맑은 고딕" panose="020B0503020000020004" pitchFamily="50" charset="-127"/>
+                <a:ea typeface="맑은 고딕" panose="020B0503020000020004" pitchFamily="50" charset="-127"/>
+              </a:rPr>
+              <a:t>)</a:t>
+            </a:r>
+          </a:p>
+          <a:p>
+            <a:r>
+              <a:rPr lang="ko-KR" altLang="en-US" dirty="0">
+                <a:solidFill>
+                  <a:srgbClr val="000000"/>
+                </a:solidFill>
+                <a:latin typeface="맑은 고딕" panose="020B0503020000020004" pitchFamily="50" charset="-127"/>
+                <a:ea typeface="맑은 고딕" panose="020B0503020000020004" pitchFamily="50" charset="-127"/>
+              </a:rPr>
+              <a:t>스캔 화면</a:t>
+            </a:r>
+            <a:r>
+              <a:rPr lang="en-US" altLang="ko-KR" dirty="0">
+                <a:solidFill>
+                  <a:srgbClr val="000000"/>
+                </a:solidFill>
+                <a:latin typeface="맑은 고딕" panose="020B0503020000020004" pitchFamily="50" charset="-127"/>
+                <a:ea typeface="맑은 고딕" panose="020B0503020000020004" pitchFamily="50" charset="-127"/>
+              </a:rPr>
+              <a:t>(</a:t>
+            </a:r>
+            <a:r>
+              <a:rPr lang="ko-KR" altLang="en-US" dirty="0">
+                <a:solidFill>
+                  <a:srgbClr val="000000"/>
+                </a:solidFill>
+                <a:latin typeface="맑은 고딕" panose="020B0503020000020004" pitchFamily="50" charset="-127"/>
+                <a:ea typeface="맑은 고딕" panose="020B0503020000020004" pitchFamily="50" charset="-127"/>
+              </a:rPr>
+              <a:t>디스플레이에 카메라 촬영 화면 출력</a:t>
+            </a:r>
+            <a:r>
+              <a:rPr lang="en-US" altLang="ko-KR" dirty="0">
+                <a:solidFill>
+                  <a:srgbClr val="000000"/>
+                </a:solidFill>
+                <a:latin typeface="맑은 고딕" panose="020B0503020000020004" pitchFamily="50" charset="-127"/>
+                <a:ea typeface="맑은 고딕" panose="020B0503020000020004" pitchFamily="50" charset="-127"/>
+              </a:rPr>
+              <a:t>, </a:t>
+            </a:r>
+            <a:r>
+              <a:rPr lang="ko-KR" altLang="en-US" dirty="0">
+                <a:solidFill>
+                  <a:srgbClr val="000000"/>
+                </a:solidFill>
+                <a:latin typeface="맑은 고딕" panose="020B0503020000020004" pitchFamily="50" charset="-127"/>
+                <a:ea typeface="맑은 고딕" panose="020B0503020000020004" pitchFamily="50" charset="-127"/>
+              </a:rPr>
+              <a:t>카메라 인식 범위 및 스캔 문구 출력</a:t>
+            </a:r>
+            <a:r>
+              <a:rPr lang="en-US" altLang="ko-KR" dirty="0">
+                <a:solidFill>
+                  <a:srgbClr val="000000"/>
+                </a:solidFill>
+                <a:latin typeface="맑은 고딕" panose="020B0503020000020004" pitchFamily="50" charset="-127"/>
+                <a:ea typeface="맑은 고딕" panose="020B0503020000020004" pitchFamily="50" charset="-127"/>
+              </a:rPr>
+              <a:t>)</a:t>
+            </a:r>
+          </a:p>
+          <a:p>
+            <a:r>
+              <a:rPr lang="ko-KR" altLang="en-US" dirty="0">
+                <a:solidFill>
+                  <a:srgbClr val="000000"/>
+                </a:solidFill>
+                <a:latin typeface="맑은 고딕" panose="020B0503020000020004" pitchFamily="50" charset="-127"/>
+                <a:ea typeface="맑은 고딕" panose="020B0503020000020004" pitchFamily="50" charset="-127"/>
+              </a:rPr>
+              <a:t>스캔 진행 화면</a:t>
+            </a:r>
+            <a:r>
+              <a:rPr lang="en-US" altLang="ko-KR" dirty="0">
+                <a:solidFill>
+                  <a:srgbClr val="000000"/>
+                </a:solidFill>
+                <a:latin typeface="맑은 고딕" panose="020B0503020000020004" pitchFamily="50" charset="-127"/>
+                <a:ea typeface="맑은 고딕" panose="020B0503020000020004" pitchFamily="50" charset="-127"/>
+              </a:rPr>
+              <a:t>(</a:t>
+            </a:r>
+            <a:r>
+              <a:rPr lang="ko-KR" altLang="en-US" b="0" i="0" u="none" strike="noStrike" dirty="0">
+                <a:solidFill>
+                  <a:srgbClr val="000000"/>
+                </a:solidFill>
+                <a:effectLst/>
+                <a:latin typeface="맑은 고딕" panose="020B0503020000020004" pitchFamily="50" charset="-127"/>
+                <a:ea typeface="맑은 고딕" panose="020B0503020000020004" pitchFamily="50" charset="-127"/>
+              </a:rPr>
+              <a:t>도서 스캔 진행중 문구</a:t>
+            </a:r>
+            <a:r>
+              <a:rPr lang="en-US" altLang="ko-KR" dirty="0">
+                <a:solidFill>
+                  <a:srgbClr val="000000"/>
+                </a:solidFill>
+                <a:latin typeface="맑은 고딕" panose="020B0503020000020004" pitchFamily="50" charset="-127"/>
+                <a:ea typeface="맑은 고딕" panose="020B0503020000020004" pitchFamily="50" charset="-127"/>
+              </a:rPr>
+              <a:t> </a:t>
+            </a:r>
+            <a:r>
+              <a:rPr lang="ko-KR" altLang="en-US" dirty="0">
+                <a:solidFill>
+                  <a:srgbClr val="000000"/>
+                </a:solidFill>
+                <a:latin typeface="맑은 고딕" panose="020B0503020000020004" pitchFamily="50" charset="-127"/>
+                <a:ea typeface="맑은 고딕" panose="020B0503020000020004" pitchFamily="50" charset="-127"/>
+              </a:rPr>
+              <a:t>출력</a:t>
+            </a:r>
+            <a:r>
+              <a:rPr lang="en-US" altLang="ko-KR" dirty="0">
+                <a:solidFill>
+                  <a:srgbClr val="000000"/>
+                </a:solidFill>
+                <a:latin typeface="맑은 고딕" panose="020B0503020000020004" pitchFamily="50" charset="-127"/>
+                <a:ea typeface="맑은 고딕" panose="020B0503020000020004" pitchFamily="50" charset="-127"/>
+              </a:rPr>
+              <a:t>, </a:t>
+            </a:r>
+            <a:r>
+              <a:rPr lang="ko-KR" altLang="en-US" dirty="0">
+                <a:solidFill>
+                  <a:srgbClr val="000000"/>
+                </a:solidFill>
+                <a:latin typeface="맑은 고딕" panose="020B0503020000020004" pitchFamily="50" charset="-127"/>
+                <a:ea typeface="맑은 고딕" panose="020B0503020000020004" pitchFamily="50" charset="-127"/>
+              </a:rPr>
+              <a:t>스캔이 완료가 될 경우 문구 변화</a:t>
+            </a:r>
+            <a:r>
+              <a:rPr lang="en-US" altLang="ko-KR" dirty="0">
+                <a:solidFill>
+                  <a:srgbClr val="000000"/>
+                </a:solidFill>
+                <a:latin typeface="맑은 고딕" panose="020B0503020000020004" pitchFamily="50" charset="-127"/>
+                <a:ea typeface="맑은 고딕" panose="020B0503020000020004" pitchFamily="50" charset="-127"/>
+              </a:rPr>
+              <a:t>(</a:t>
+            </a:r>
+            <a:r>
+              <a:rPr lang="ko-KR" altLang="en-US" dirty="0">
+                <a:solidFill>
+                  <a:srgbClr val="000000"/>
+                </a:solidFill>
+                <a:latin typeface="맑은 고딕" panose="020B0503020000020004" pitchFamily="50" charset="-127"/>
+                <a:ea typeface="맑은 고딕" panose="020B0503020000020004" pitchFamily="50" charset="-127"/>
+              </a:rPr>
+              <a:t>진행 중</a:t>
+            </a:r>
+            <a:r>
+              <a:rPr lang="en-US" altLang="ko-KR" dirty="0">
+                <a:solidFill>
+                  <a:srgbClr val="000000"/>
+                </a:solidFill>
+                <a:latin typeface="맑은 고딕" panose="020B0503020000020004" pitchFamily="50" charset="-127"/>
+                <a:ea typeface="맑은 고딕" panose="020B0503020000020004" pitchFamily="50" charset="-127"/>
+              </a:rPr>
+              <a:t>-&gt; </a:t>
+            </a:r>
+            <a:r>
+              <a:rPr lang="ko-KR" altLang="en-US" dirty="0">
+                <a:solidFill>
+                  <a:srgbClr val="000000"/>
+                </a:solidFill>
+                <a:latin typeface="맑은 고딕" panose="020B0503020000020004" pitchFamily="50" charset="-127"/>
+                <a:ea typeface="맑은 고딕" panose="020B0503020000020004" pitchFamily="50" charset="-127"/>
+              </a:rPr>
+              <a:t>완료</a:t>
+            </a:r>
+            <a:r>
+              <a:rPr lang="en-US" altLang="ko-KR" dirty="0">
+                <a:solidFill>
+                  <a:srgbClr val="000000"/>
+                </a:solidFill>
+                <a:latin typeface="맑은 고딕" panose="020B0503020000020004" pitchFamily="50" charset="-127"/>
+                <a:ea typeface="맑은 고딕" panose="020B0503020000020004" pitchFamily="50" charset="-127"/>
+              </a:rPr>
+              <a:t>), </a:t>
+            </a:r>
+            <a:r>
+              <a:rPr lang="ko-KR" altLang="en-US" dirty="0">
+                <a:solidFill>
+                  <a:srgbClr val="000000"/>
+                </a:solidFill>
+                <a:latin typeface="맑은 고딕" panose="020B0503020000020004" pitchFamily="50" charset="-127"/>
+                <a:ea typeface="맑은 고딕" panose="020B0503020000020004" pitchFamily="50" charset="-127"/>
+              </a:rPr>
+              <a:t>스캔 완료 후 독서 진행 화면으로 전환</a:t>
+            </a:r>
+            <a:r>
+              <a:rPr lang="en-US" altLang="ko-KR" dirty="0">
+                <a:solidFill>
+                  <a:srgbClr val="000000"/>
+                </a:solidFill>
+                <a:latin typeface="맑은 고딕" panose="020B0503020000020004" pitchFamily="50" charset="-127"/>
+                <a:ea typeface="맑은 고딕" panose="020B0503020000020004" pitchFamily="50" charset="-127"/>
+              </a:rPr>
+              <a:t>)</a:t>
+            </a:r>
+            <a:endParaRPr lang="en-US" altLang="ko-KR" dirty="0"/>
+          </a:p>
+        </p:txBody>
+      </p:sp>
+    </p:spTree>
+    <p:extLst>
+      <p:ext uri="{BB962C8B-B14F-4D97-AF65-F5344CB8AC3E}">
+        <p14:creationId xmlns:p14="http://schemas.microsoft.com/office/powerpoint/2010/main" val="1124705894"/>
+      </p:ext>
+    </p:extLst>
+  </p:cSld>
+  <p:clrMapOvr>
+    <a:masterClrMapping/>
+  </p:clrMapOvr>
+</p:sld>
+</file>
+
 <file path=ppt/slides/slide2.xml><?xml version="1.0" encoding="utf-8"?>
 <p:sld xmlns:a="http://schemas.openxmlformats.org/drawingml/2006/main" xmlns:r="http://schemas.openxmlformats.org/officeDocument/2006/relationships" xmlns:p="http://schemas.openxmlformats.org/presentationml/2006/main">
   <p:cSld>
@@ -7283,8 +7745,21 @@
           <a:p>
             <a:r>
               <a:rPr lang="ko-KR" altLang="en-US" dirty="0"/>
-              <a:t>앞으로의 계획</a:t>
-            </a:r>
+              <a:t>당장의 계획</a:t>
+            </a:r>
+            <a:r>
+              <a:rPr lang="en-US" altLang="ko-KR" dirty="0"/>
+              <a:t>(</a:t>
+            </a:r>
+            <a:r>
+              <a:rPr lang="ko-KR" altLang="en-US" dirty="0"/>
+              <a:t>다음주까지</a:t>
+            </a:r>
+            <a:r>
+              <a:rPr lang="en-US" altLang="ko-KR" dirty="0"/>
+              <a:t>)</a:t>
+            </a:r>
+            <a:endParaRPr lang="ko-KR" altLang="en-US" dirty="0"/>
           </a:p>
         </p:txBody>
       </p:sp>
@@ -7309,6 +7784,9 @@
           <a:bodyPr/>
           <a:lstStyle/>
           <a:p>
+            <a:pPr marL="0" indent="0">
+              <a:buNone/>
+            </a:pPr>
             <a:r>
               <a:rPr lang="ko-KR" altLang="en-US" dirty="0"/>
               <a:t>설계사항에 따라 앱을 개발</a:t>
@@ -7319,12 +7797,10 @@
             <a:pPr marL="0" indent="0">
               <a:buNone/>
             </a:pPr>
-            <a:endParaRPr lang="en-US" altLang="ko-KR" dirty="0"/>
-          </a:p>
-          <a:p>
-            <a:pPr marL="0" indent="0">
-              <a:buNone/>
-            </a:pPr>
+            <a:r>
+              <a:rPr lang="en-US" altLang="ko-KR" dirty="0"/>
+              <a:t>(</a:t>
+            </a:r>
             <a:r>
               <a:rPr lang="ko-KR" altLang="en-US" dirty="0"/>
               <a:t>안드로이드 스튜디오를 사용하여 전체 </a:t>
@@ -7337,15 +7813,9 @@
               <a:rPr lang="ko-KR" altLang="en-US" dirty="0"/>
               <a:t>를 우선적으로 개발</a:t>
             </a:r>
-            <a:endParaRPr lang="en-US" altLang="ko-KR" dirty="0"/>
-          </a:p>
-          <a:p>
-            <a:pPr marL="0" indent="0">
-              <a:buNone/>
-            </a:pPr>
             <a:r>
               <a:rPr lang="en-US" altLang="ko-KR" dirty="0"/>
-              <a:t>(3</a:t>
+              <a:t>, 3</a:t>
             </a:r>
             <a:r>
               <a:rPr lang="ko-KR" altLang="en-US" dirty="0"/>
@@ -7358,6 +7828,27 @@
             <a:r>
               <a:rPr lang="ko-KR" altLang="en-US" dirty="0"/>
               <a:t>일까지</a:t>
+            </a:r>
+            <a:r>
+              <a:rPr lang="en-US" altLang="ko-KR" dirty="0"/>
+              <a:t>)</a:t>
+            </a:r>
+          </a:p>
+          <a:p>
+            <a:pPr marL="0" indent="0">
+              <a:buNone/>
+            </a:pPr>
+            <a:r>
+              <a:rPr lang="ko-KR" altLang="en-US" dirty="0"/>
+              <a:t>이후 기능 구현 </a:t>
+            </a:r>
+            <a:r>
+              <a:rPr lang="en-US" altLang="ko-KR" dirty="0"/>
+              <a:t>(</a:t>
+            </a:r>
+            <a:r>
+              <a:rPr lang="ko-KR" altLang="en-US" dirty="0"/>
+              <a:t>도서 스캔 기능을 우선</a:t>
             </a:r>
             <a:r>
               <a:rPr lang="en-US" altLang="ko-KR" dirty="0"/>
